--- a/OrderLocator.pptx
+++ b/OrderLocator.pptx
@@ -6,7 +6,8 @@
   </p:sldMasterIdLst>
   <p:sldIdLst>
     <p:sldId id="256" r:id="rId2"/>
-    <p:sldId id="257" r:id="rId3"/>
+    <p:sldId id="258" r:id="rId3"/>
+    <p:sldId id="257" r:id="rId4"/>
   </p:sldIdLst>
   <p:sldSz cx="12192000" cy="6858000"/>
   <p:notesSz cx="6858000" cy="9144000"/>
@@ -854,7 +855,7 @@
             <a:fld id="{B61BEF0D-F0BB-DE4B-95CE-6DB70DBA9567}" type="datetimeFigureOut">
               <a:rPr lang="en-US" smtClean="0"/>
               <a:pPr/>
-              <a:t>5/17/2018</a:t>
+              <a:t>5/18/2018</a:t>
             </a:fld>
             <a:endParaRPr lang="en-US" dirty="0"/>
           </a:p>
@@ -906,7 +907,7 @@
     </p:spTree>
     <p:extLst>
       <p:ext uri="{BB962C8B-B14F-4D97-AF65-F5344CB8AC3E}">
-        <p14:creationId xmlns:p14="http://schemas.microsoft.com/office/powerpoint/2010/main" val="3504348347"/>
+        <p14:creationId xmlns:p14="http://schemas.microsoft.com/office/powerpoint/2010/main" xmlns="" val="3504348347"/>
       </p:ext>
     </p:extLst>
   </p:cSld>
@@ -1107,7 +1108,7 @@
             <a:fld id="{B61BEF0D-F0BB-DE4B-95CE-6DB70DBA9567}" type="datetimeFigureOut">
               <a:rPr lang="en-US" smtClean="0"/>
               <a:pPr/>
-              <a:t>5/17/2018</a:t>
+              <a:t>5/18/2018</a:t>
             </a:fld>
             <a:endParaRPr lang="en-US" dirty="0"/>
           </a:p>
@@ -1159,7 +1160,7 @@
     </p:spTree>
     <p:extLst>
       <p:ext uri="{BB962C8B-B14F-4D97-AF65-F5344CB8AC3E}">
-        <p14:creationId xmlns:p14="http://schemas.microsoft.com/office/powerpoint/2010/main" val="2671340631"/>
+        <p14:creationId xmlns:p14="http://schemas.microsoft.com/office/powerpoint/2010/main" xmlns="" val="2671340631"/>
       </p:ext>
     </p:extLst>
   </p:cSld>
@@ -1423,7 +1424,7 @@
             <a:fld id="{B61BEF0D-F0BB-DE4B-95CE-6DB70DBA9567}" type="datetimeFigureOut">
               <a:rPr lang="en-US" smtClean="0"/>
               <a:pPr/>
-              <a:t>5/17/2018</a:t>
+              <a:t>5/18/2018</a:t>
             </a:fld>
             <a:endParaRPr lang="en-US" dirty="0"/>
           </a:p>
@@ -1557,7 +1558,7 @@
     </p:spTree>
     <p:extLst>
       <p:ext uri="{BB962C8B-B14F-4D97-AF65-F5344CB8AC3E}">
-        <p14:creationId xmlns:p14="http://schemas.microsoft.com/office/powerpoint/2010/main" val="378898781"/>
+        <p14:creationId xmlns:p14="http://schemas.microsoft.com/office/powerpoint/2010/main" xmlns="" val="378898781"/>
       </p:ext>
     </p:extLst>
   </p:cSld>
@@ -1758,7 +1759,7 @@
             <a:fld id="{B61BEF0D-F0BB-DE4B-95CE-6DB70DBA9567}" type="datetimeFigureOut">
               <a:rPr lang="en-US" smtClean="0"/>
               <a:pPr/>
-              <a:t>5/17/2018</a:t>
+              <a:t>5/18/2018</a:t>
             </a:fld>
             <a:endParaRPr lang="en-US" dirty="0"/>
           </a:p>
@@ -1810,7 +1811,7 @@
     </p:spTree>
     <p:extLst>
       <p:ext uri="{BB962C8B-B14F-4D97-AF65-F5344CB8AC3E}">
-        <p14:creationId xmlns:p14="http://schemas.microsoft.com/office/powerpoint/2010/main" val="2833044814"/>
+        <p14:creationId xmlns:p14="http://schemas.microsoft.com/office/powerpoint/2010/main" xmlns="" val="2833044814"/>
       </p:ext>
     </p:extLst>
   </p:cSld>
@@ -2074,7 +2075,7 @@
             <a:fld id="{B61BEF0D-F0BB-DE4B-95CE-6DB70DBA9567}" type="datetimeFigureOut">
               <a:rPr lang="en-US" smtClean="0"/>
               <a:pPr/>
-              <a:t>5/17/2018</a:t>
+              <a:t>5/18/2018</a:t>
             </a:fld>
             <a:endParaRPr lang="en-US" dirty="0"/>
           </a:p>
@@ -2208,7 +2209,7 @@
     </p:spTree>
     <p:extLst>
       <p:ext uri="{BB962C8B-B14F-4D97-AF65-F5344CB8AC3E}">
-        <p14:creationId xmlns:p14="http://schemas.microsoft.com/office/powerpoint/2010/main" val="702885381"/>
+        <p14:creationId xmlns:p14="http://schemas.microsoft.com/office/powerpoint/2010/main" xmlns="" val="702885381"/>
       </p:ext>
     </p:extLst>
   </p:cSld>
@@ -2469,7 +2470,7 @@
             <a:fld id="{B61BEF0D-F0BB-DE4B-95CE-6DB70DBA9567}" type="datetimeFigureOut">
               <a:rPr lang="en-US" smtClean="0"/>
               <a:pPr/>
-              <a:t>5/17/2018</a:t>
+              <a:t>5/18/2018</a:t>
             </a:fld>
             <a:endParaRPr lang="en-US" dirty="0"/>
           </a:p>
@@ -2521,7 +2522,7 @@
     </p:spTree>
     <p:extLst>
       <p:ext uri="{BB962C8B-B14F-4D97-AF65-F5344CB8AC3E}">
-        <p14:creationId xmlns:p14="http://schemas.microsoft.com/office/powerpoint/2010/main" val="4176692154"/>
+        <p14:creationId xmlns:p14="http://schemas.microsoft.com/office/powerpoint/2010/main" xmlns="" val="4176692154"/>
       </p:ext>
     </p:extLst>
   </p:cSld>
@@ -2640,7 +2641,8 @@
           <a:p>
             <a:fld id="{55C6B4A9-1611-4792-9094-5F34BCA07E0B}" type="datetimeFigureOut">
               <a:rPr lang="en-US" smtClean="0"/>
-              <a:t>5/17/2018</a:t>
+              <a:pPr/>
+              <a:t>5/18/2018</a:t>
             </a:fld>
             <a:endParaRPr lang="en-US" dirty="0"/>
           </a:p>
@@ -2682,6 +2684,7 @@
           <a:p>
             <a:fld id="{89333C77-0158-454C-844F-B7AB9BD7DAD4}" type="slidenum">
               <a:rPr lang="en-US" smtClean="0"/>
+              <a:pPr/>
               <a:t>‹#›</a:t>
             </a:fld>
             <a:endParaRPr lang="en-US" dirty="0"/>
@@ -2691,7 +2694,7 @@
     </p:spTree>
     <p:extLst>
       <p:ext uri="{BB962C8B-B14F-4D97-AF65-F5344CB8AC3E}">
-        <p14:creationId xmlns:p14="http://schemas.microsoft.com/office/powerpoint/2010/main" val="616386407"/>
+        <p14:creationId xmlns:p14="http://schemas.microsoft.com/office/powerpoint/2010/main" xmlns="" val="616386407"/>
       </p:ext>
     </p:extLst>
   </p:cSld>
@@ -2821,7 +2824,7 @@
             <a:fld id="{B61BEF0D-F0BB-DE4B-95CE-6DB70DBA9567}" type="datetimeFigureOut">
               <a:rPr lang="en-US" smtClean="0"/>
               <a:pPr/>
-              <a:t>5/17/2018</a:t>
+              <a:t>5/18/2018</a:t>
             </a:fld>
             <a:endParaRPr lang="en-US" dirty="0"/>
           </a:p>
@@ -2873,7 +2876,7 @@
     </p:spTree>
     <p:extLst>
       <p:ext uri="{BB962C8B-B14F-4D97-AF65-F5344CB8AC3E}">
-        <p14:creationId xmlns:p14="http://schemas.microsoft.com/office/powerpoint/2010/main" val="1198754581"/>
+        <p14:creationId xmlns:p14="http://schemas.microsoft.com/office/powerpoint/2010/main" xmlns="" val="1198754581"/>
       </p:ext>
     </p:extLst>
   </p:cSld>
@@ -2993,7 +2996,7 @@
             <a:fld id="{B61BEF0D-F0BB-DE4B-95CE-6DB70DBA9567}" type="datetimeFigureOut">
               <a:rPr lang="en-US" smtClean="0"/>
               <a:pPr/>
-              <a:t>5/17/2018</a:t>
+              <a:t>5/18/2018</a:t>
             </a:fld>
             <a:endParaRPr lang="en-US" dirty="0"/>
           </a:p>
@@ -3045,7 +3048,7 @@
     </p:spTree>
     <p:extLst>
       <p:ext uri="{BB962C8B-B14F-4D97-AF65-F5344CB8AC3E}">
-        <p14:creationId xmlns:p14="http://schemas.microsoft.com/office/powerpoint/2010/main" val="2758430682"/>
+        <p14:creationId xmlns:p14="http://schemas.microsoft.com/office/powerpoint/2010/main" xmlns="" val="2758430682"/>
       </p:ext>
     </p:extLst>
   </p:cSld>
@@ -3242,7 +3245,7 @@
             <a:fld id="{B61BEF0D-F0BB-DE4B-95CE-6DB70DBA9567}" type="datetimeFigureOut">
               <a:rPr lang="en-US" smtClean="0"/>
               <a:pPr/>
-              <a:t>5/17/2018</a:t>
+              <a:t>5/18/2018</a:t>
             </a:fld>
             <a:endParaRPr lang="en-US" dirty="0"/>
           </a:p>
@@ -3294,7 +3297,7 @@
     </p:spTree>
     <p:extLst>
       <p:ext uri="{BB962C8B-B14F-4D97-AF65-F5344CB8AC3E}">
-        <p14:creationId xmlns:p14="http://schemas.microsoft.com/office/powerpoint/2010/main" val="3820036949"/>
+        <p14:creationId xmlns:p14="http://schemas.microsoft.com/office/powerpoint/2010/main" xmlns="" val="3820036949"/>
       </p:ext>
     </p:extLst>
   </p:cSld>
@@ -3475,7 +3478,8 @@
           <a:p>
             <a:fld id="{EB712588-04B1-427B-82EE-E8DB90309F08}" type="datetimeFigureOut">
               <a:rPr lang="en-US" smtClean="0"/>
-              <a:t>5/17/2018</a:t>
+              <a:pPr/>
+              <a:t>5/18/2018</a:t>
             </a:fld>
             <a:endParaRPr lang="en-US" dirty="0"/>
           </a:p>
@@ -3517,6 +3521,7 @@
           <a:p>
             <a:fld id="{6FF9F0C5-380F-41C2-899A-BAC0F0927E16}" type="slidenum">
               <a:rPr lang="en-US" smtClean="0"/>
+              <a:pPr/>
               <a:t>‹#›</a:t>
             </a:fld>
             <a:endParaRPr lang="en-US" dirty="0"/>
@@ -3526,7 +3531,7 @@
     </p:spTree>
     <p:extLst>
       <p:ext uri="{BB962C8B-B14F-4D97-AF65-F5344CB8AC3E}">
-        <p14:creationId xmlns:p14="http://schemas.microsoft.com/office/powerpoint/2010/main" val="1349954760"/>
+        <p14:creationId xmlns:p14="http://schemas.microsoft.com/office/powerpoint/2010/main" xmlns="" val="1349954760"/>
       </p:ext>
     </p:extLst>
   </p:cSld>
@@ -3850,7 +3855,7 @@
             <a:fld id="{B61BEF0D-F0BB-DE4B-95CE-6DB70DBA9567}" type="datetimeFigureOut">
               <a:rPr lang="en-US" smtClean="0"/>
               <a:pPr/>
-              <a:t>5/17/2018</a:t>
+              <a:t>5/18/2018</a:t>
             </a:fld>
             <a:endParaRPr lang="en-US" dirty="0"/>
           </a:p>
@@ -3902,7 +3907,7 @@
     </p:spTree>
     <p:extLst>
       <p:ext uri="{BB962C8B-B14F-4D97-AF65-F5344CB8AC3E}">
-        <p14:creationId xmlns:p14="http://schemas.microsoft.com/office/powerpoint/2010/main" val="2067621563"/>
+        <p14:creationId xmlns:p14="http://schemas.microsoft.com/office/powerpoint/2010/main" xmlns="" val="2067621563"/>
       </p:ext>
     </p:extLst>
   </p:cSld>
@@ -3975,7 +3980,7 @@
             <a:fld id="{B61BEF0D-F0BB-DE4B-95CE-6DB70DBA9567}" type="datetimeFigureOut">
               <a:rPr lang="en-US" smtClean="0"/>
               <a:pPr/>
-              <a:t>5/17/2018</a:t>
+              <a:t>5/18/2018</a:t>
             </a:fld>
             <a:endParaRPr lang="en-US" dirty="0"/>
           </a:p>
@@ -4027,7 +4032,7 @@
     </p:spTree>
     <p:extLst>
       <p:ext uri="{BB962C8B-B14F-4D97-AF65-F5344CB8AC3E}">
-        <p14:creationId xmlns:p14="http://schemas.microsoft.com/office/powerpoint/2010/main" val="2507193059"/>
+        <p14:creationId xmlns:p14="http://schemas.microsoft.com/office/powerpoint/2010/main" xmlns="" val="2507193059"/>
       </p:ext>
     </p:extLst>
   </p:cSld>
@@ -4072,7 +4077,7 @@
             <a:fld id="{B61BEF0D-F0BB-DE4B-95CE-6DB70DBA9567}" type="datetimeFigureOut">
               <a:rPr lang="en-US" smtClean="0"/>
               <a:pPr/>
-              <a:t>5/17/2018</a:t>
+              <a:t>5/18/2018</a:t>
             </a:fld>
             <a:endParaRPr lang="en-US" dirty="0"/>
           </a:p>
@@ -4124,7 +4129,7 @@
     </p:spTree>
     <p:extLst>
       <p:ext uri="{BB962C8B-B14F-4D97-AF65-F5344CB8AC3E}">
-        <p14:creationId xmlns:p14="http://schemas.microsoft.com/office/powerpoint/2010/main" val="2473607788"/>
+        <p14:creationId xmlns:p14="http://schemas.microsoft.com/office/powerpoint/2010/main" xmlns="" val="2473607788"/>
       </p:ext>
     </p:extLst>
   </p:cSld>
@@ -4328,7 +4333,8 @@
           <a:p>
             <a:fld id="{42A54C80-263E-416B-A8E0-580EDEADCBDC}" type="datetimeFigureOut">
               <a:rPr lang="en-US" smtClean="0"/>
-              <a:t>5/17/2018</a:t>
+              <a:pPr/>
+              <a:t>5/18/2018</a:t>
             </a:fld>
             <a:endParaRPr lang="en-US" dirty="0"/>
           </a:p>
@@ -4370,6 +4376,7 @@
           <a:p>
             <a:fld id="{519954A3-9DFD-4C44-94BA-B95130A3BA1C}" type="slidenum">
               <a:rPr lang="en-US" smtClean="0"/>
+              <a:pPr/>
               <a:t>‹#›</a:t>
             </a:fld>
             <a:endParaRPr lang="en-US" dirty="0"/>
@@ -4379,7 +4386,7 @@
     </p:spTree>
     <p:extLst>
       <p:ext uri="{BB962C8B-B14F-4D97-AF65-F5344CB8AC3E}">
-        <p14:creationId xmlns:p14="http://schemas.microsoft.com/office/powerpoint/2010/main" val="848925159"/>
+        <p14:creationId xmlns:p14="http://schemas.microsoft.com/office/powerpoint/2010/main" xmlns="" val="848925159"/>
       </p:ext>
     </p:extLst>
   </p:cSld>
@@ -4635,7 +4642,7 @@
             <a:fld id="{B61BEF0D-F0BB-DE4B-95CE-6DB70DBA9567}" type="datetimeFigureOut">
               <a:rPr lang="en-US" smtClean="0"/>
               <a:pPr/>
-              <a:t>5/17/2018</a:t>
+              <a:t>5/18/2018</a:t>
             </a:fld>
             <a:endParaRPr lang="en-US" dirty="0"/>
           </a:p>
@@ -4644,7 +4651,7 @@
     </p:spTree>
     <p:extLst>
       <p:ext uri="{BB962C8B-B14F-4D97-AF65-F5344CB8AC3E}">
-        <p14:creationId xmlns:p14="http://schemas.microsoft.com/office/powerpoint/2010/main" val="3865888509"/>
+        <p14:creationId xmlns:p14="http://schemas.microsoft.com/office/powerpoint/2010/main" xmlns="" val="3865888509"/>
       </p:ext>
     </p:extLst>
   </p:cSld>
@@ -5338,7 +5345,7 @@
             <a:fld id="{B61BEF0D-F0BB-DE4B-95CE-6DB70DBA9567}" type="datetimeFigureOut">
               <a:rPr lang="en-US" smtClean="0"/>
               <a:pPr/>
-              <a:t>5/17/2018</a:t>
+              <a:t>5/18/2018</a:t>
             </a:fld>
             <a:endParaRPr lang="en-US" dirty="0"/>
           </a:p>
@@ -5424,7 +5431,7 @@
     </p:spTree>
     <p:extLst>
       <p:ext uri="{BB962C8B-B14F-4D97-AF65-F5344CB8AC3E}">
-        <p14:creationId xmlns:p14="http://schemas.microsoft.com/office/powerpoint/2010/main" val="723155045"/>
+        <p14:creationId xmlns:p14="http://schemas.microsoft.com/office/powerpoint/2010/main" xmlns="" val="723155045"/>
       </p:ext>
     </p:extLst>
   </p:cSld>
@@ -5880,7 +5887,11 @@
           <a:p>
             <a:r>
               <a:rPr lang="en-US" dirty="0" smtClean="0"/>
-              <a:t>Order Locator</a:t>
+              <a:t>Live Order </a:t>
+            </a:r>
+            <a:r>
+              <a:rPr lang="en-US" dirty="0" smtClean="0"/>
+              <a:t>Locator</a:t>
             </a:r>
             <a:endParaRPr lang="en-US" dirty="0"/>
           </a:p>
@@ -6094,7 +6105,7 @@
     </p:spTree>
     <p:extLst>
       <p:ext uri="{BB962C8B-B14F-4D97-AF65-F5344CB8AC3E}">
-        <p14:creationId xmlns:p14="http://schemas.microsoft.com/office/powerpoint/2010/main" val="1085507580"/>
+        <p14:creationId xmlns:p14="http://schemas.microsoft.com/office/powerpoint/2010/main" xmlns="" val="1085507580"/>
       </p:ext>
     </p:extLst>
   </p:cSld>
@@ -6112,6 +6123,303 @@
 </file>
 
 <file path=ppt/slides/slide2.xml><?xml version="1.0" encoding="utf-8"?>
+<p:sld xmlns:a="http://schemas.openxmlformats.org/drawingml/2006/main" xmlns:r="http://schemas.openxmlformats.org/officeDocument/2006/relationships" xmlns:p="http://schemas.openxmlformats.org/presentationml/2006/main">
+  <p:cSld>
+    <p:spTree>
+      <p:nvGrpSpPr>
+        <p:cNvPr id="1" name=""/>
+        <p:cNvGrpSpPr/>
+        <p:nvPr/>
+      </p:nvGrpSpPr>
+      <p:grpSpPr>
+        <a:xfrm>
+          <a:off x="0" y="0"/>
+          <a:ext cx="0" cy="0"/>
+          <a:chOff x="0" y="0"/>
+          <a:chExt cx="0" cy="0"/>
+        </a:xfrm>
+      </p:grpSpPr>
+      <p:sp>
+        <p:nvSpPr>
+          <p:cNvPr id="2" name="Title 1"/>
+          <p:cNvSpPr>
+            <a:spLocks noGrp="1"/>
+          </p:cNvSpPr>
+          <p:nvPr>
+            <p:ph type="ctrTitle"/>
+          </p:nvPr>
+        </p:nvSpPr>
+        <p:spPr>
+          <a:xfrm>
+            <a:off x="1115181" y="327540"/>
+            <a:ext cx="2803676" cy="743615"/>
+          </a:xfrm>
+        </p:spPr>
+        <p:txBody>
+          <a:bodyPr/>
+          <a:lstStyle/>
+          <a:p>
+            <a:pPr algn="l"/>
+            <a:r>
+              <a:rPr lang="en-US" sz="4000" dirty="0" smtClean="0"/>
+              <a:t>Objective</a:t>
+            </a:r>
+            <a:endParaRPr lang="en-US" sz="4000" dirty="0"/>
+          </a:p>
+        </p:txBody>
+      </p:sp>
+      <p:sp>
+        <p:nvSpPr>
+          <p:cNvPr id="5" name="Subtitle 4"/>
+          <p:cNvSpPr>
+            <a:spLocks noGrp="1"/>
+          </p:cNvSpPr>
+          <p:nvPr>
+            <p:ph type="subTitle" idx="1"/>
+          </p:nvPr>
+        </p:nvSpPr>
+        <p:spPr>
+          <a:xfrm>
+            <a:off x="1254034" y="1071155"/>
+            <a:ext cx="8019969" cy="2050868"/>
+          </a:xfrm>
+        </p:spPr>
+        <p:txBody>
+          <a:bodyPr>
+            <a:normAutofit lnSpcReduction="10000"/>
+          </a:bodyPr>
+          <a:lstStyle/>
+          <a:p>
+            <a:pPr algn="l"/>
+            <a:r>
+              <a:rPr lang="en-US" dirty="0" smtClean="0"/>
+              <a:t>There are scenarios where live tracking of shipment is required both as a part of seller commitment as well as customer’s expectations. E.g. For immediate delivery cases, where the delivery is expected in a matter of minutes, both seller and customer would be anxious to have live data of the shipment. This case study covers that aspect as well as a demo of implementing such scenario with live tracking demonstrated.</a:t>
+            </a:r>
+          </a:p>
+          <a:p>
+            <a:pPr algn="l"/>
+            <a:r>
+              <a:rPr lang="en-US" dirty="0" smtClean="0"/>
+              <a:t> </a:t>
+            </a:r>
+            <a:endParaRPr lang="en-US" dirty="0"/>
+          </a:p>
+        </p:txBody>
+      </p:sp>
+      <p:sp>
+        <p:nvSpPr>
+          <p:cNvPr id="6" name="Title 1"/>
+          <p:cNvSpPr txBox="1">
+            <a:spLocks/>
+          </p:cNvSpPr>
+          <p:nvPr/>
+        </p:nvSpPr>
+        <p:spPr>
+          <a:xfrm>
+            <a:off x="1136953" y="2922694"/>
+            <a:ext cx="2803676" cy="743615"/>
+          </a:xfrm>
+          <a:prstGeom prst="rect">
+            <a:avLst/>
+          </a:prstGeom>
+        </p:spPr>
+        <p:txBody>
+          <a:bodyPr vert="horz" lIns="91440" tIns="45720" rIns="91440" bIns="45720" rtlCol="0" anchor="b">
+            <a:noAutofit/>
+          </a:bodyPr>
+          <a:lstStyle/>
+          <a:p>
+            <a:pPr marL="0" marR="0" lvl="0" indent="0" algn="l" defTabSz="457200" rtl="0" eaLnBrk="1" fontAlgn="auto" latinLnBrk="0" hangingPunct="1">
+              <a:lnSpc>
+                <a:spcPct val="100000"/>
+              </a:lnSpc>
+              <a:spcBef>
+                <a:spcPct val="0"/>
+              </a:spcBef>
+              <a:spcAft>
+                <a:spcPts val="0"/>
+              </a:spcAft>
+              <a:buClrTx/>
+              <a:buSzTx/>
+              <a:buFontTx/>
+              <a:buNone/>
+              <a:tabLst/>
+              <a:defRPr/>
+            </a:pPr>
+            <a:r>
+              <a:rPr kumimoji="0" lang="en-US" sz="4000" b="0" i="0" u="none" strike="noStrike" kern="1200" cap="none" spc="0" normalizeH="0" baseline="0" noProof="0" dirty="0" smtClean="0">
+                <a:ln>
+                  <a:noFill/>
+                </a:ln>
+                <a:solidFill>
+                  <a:schemeClr val="accent1"/>
+                </a:solidFill>
+                <a:effectLst/>
+                <a:uLnTx/>
+                <a:uFillTx/>
+                <a:latin typeface="+mj-lt"/>
+                <a:ea typeface="+mj-ea"/>
+                <a:cs typeface="+mj-cs"/>
+              </a:rPr>
+              <a:t>Case</a:t>
+            </a:r>
+            <a:r>
+              <a:rPr kumimoji="0" lang="en-US" sz="4000" b="0" i="0" u="none" strike="noStrike" kern="1200" cap="none" spc="0" normalizeH="0" noProof="0" dirty="0" smtClean="0">
+                <a:ln>
+                  <a:noFill/>
+                </a:ln>
+                <a:solidFill>
+                  <a:schemeClr val="accent1"/>
+                </a:solidFill>
+                <a:effectLst/>
+                <a:uLnTx/>
+                <a:uFillTx/>
+                <a:latin typeface="+mj-lt"/>
+                <a:ea typeface="+mj-ea"/>
+                <a:cs typeface="+mj-cs"/>
+              </a:rPr>
+              <a:t> Study</a:t>
+            </a:r>
+            <a:endParaRPr kumimoji="0" lang="en-US" sz="4000" b="0" i="0" u="none" strike="noStrike" kern="1200" cap="none" spc="0" normalizeH="0" baseline="0" noProof="0" dirty="0">
+              <a:ln>
+                <a:noFill/>
+              </a:ln>
+              <a:solidFill>
+                <a:schemeClr val="accent1"/>
+              </a:solidFill>
+              <a:effectLst/>
+              <a:uLnTx/>
+              <a:uFillTx/>
+              <a:latin typeface="+mj-lt"/>
+              <a:ea typeface="+mj-ea"/>
+              <a:cs typeface="+mj-cs"/>
+            </a:endParaRPr>
+          </a:p>
+        </p:txBody>
+      </p:sp>
+      <p:sp>
+        <p:nvSpPr>
+          <p:cNvPr id="7" name="Subtitle 4"/>
+          <p:cNvSpPr txBox="1">
+            <a:spLocks/>
+          </p:cNvSpPr>
+          <p:nvPr/>
+        </p:nvSpPr>
+        <p:spPr>
+          <a:xfrm>
+            <a:off x="1275806" y="3666309"/>
+            <a:ext cx="8019969" cy="2050868"/>
+          </a:xfrm>
+          <a:prstGeom prst="rect">
+            <a:avLst/>
+          </a:prstGeom>
+        </p:spPr>
+        <p:txBody>
+          <a:bodyPr vert="horz" lIns="91440" tIns="45720" rIns="91440" bIns="45720" rtlCol="0" anchor="t">
+            <a:normAutofit/>
+          </a:bodyPr>
+          <a:lstStyle/>
+          <a:p>
+            <a:pPr marL="0" marR="0" lvl="0" indent="0" algn="l" defTabSz="457200" rtl="0" eaLnBrk="1" fontAlgn="auto" latinLnBrk="0" hangingPunct="1">
+              <a:lnSpc>
+                <a:spcPct val="100000"/>
+              </a:lnSpc>
+              <a:spcBef>
+                <a:spcPts val="1000"/>
+              </a:spcBef>
+              <a:spcAft>
+                <a:spcPts val="0"/>
+              </a:spcAft>
+              <a:buClr>
+                <a:schemeClr val="accent1"/>
+              </a:buClr>
+              <a:buSzPct val="80000"/>
+              <a:buFont typeface="Wingdings 3" charset="2"/>
+              <a:buNone/>
+              <a:tabLst/>
+              <a:defRPr/>
+            </a:pPr>
+            <a:r>
+              <a:rPr kumimoji="0" lang="en-US" sz="1800" b="0" i="0" u="none" strike="noStrike" kern="1200" cap="none" spc="0" normalizeH="0" baseline="0" noProof="0" dirty="0" smtClean="0">
+                <a:ln>
+                  <a:noFill/>
+                </a:ln>
+                <a:solidFill>
+                  <a:schemeClr val="tx1">
+                    <a:lumMod val="50000"/>
+                    <a:lumOff val="50000"/>
+                  </a:schemeClr>
+                </a:solidFill>
+                <a:effectLst/>
+                <a:uLnTx/>
+                <a:uFillTx/>
+                <a:latin typeface="+mn-lt"/>
+                <a:ea typeface="+mn-ea"/>
+                <a:cs typeface="+mn-cs"/>
+              </a:rPr>
+              <a:t>Our case study</a:t>
+            </a:r>
+            <a:r>
+              <a:rPr kumimoji="0" lang="en-US" sz="1800" b="0" i="0" u="none" strike="noStrike" kern="1200" cap="none" spc="0" normalizeH="0" noProof="0" dirty="0" smtClean="0">
+                <a:ln>
+                  <a:noFill/>
+                </a:ln>
+                <a:solidFill>
+                  <a:schemeClr val="tx1">
+                    <a:lumMod val="50000"/>
+                    <a:lumOff val="50000"/>
+                  </a:schemeClr>
+                </a:solidFill>
+                <a:effectLst/>
+                <a:uLnTx/>
+                <a:uFillTx/>
+                <a:latin typeface="+mn-lt"/>
+                <a:ea typeface="+mn-ea"/>
+                <a:cs typeface="+mn-cs"/>
+              </a:rPr>
+              <a:t> is for a shipment which demonstrates system capability in terms of live tracing from the moment the package is dispatched till the time it reaches the customer. This is displayed live on the map which is accessible to the user to view the current shipment details. The feed is near real time.</a:t>
+            </a:r>
+            <a:endParaRPr kumimoji="0" lang="en-US" sz="1800" b="0" i="0" u="none" strike="noStrike" kern="1200" cap="none" spc="0" normalizeH="0" baseline="0" noProof="0" dirty="0">
+              <a:ln>
+                <a:noFill/>
+              </a:ln>
+              <a:solidFill>
+                <a:schemeClr val="tx1">
+                  <a:lumMod val="50000"/>
+                  <a:lumOff val="50000"/>
+                </a:schemeClr>
+              </a:solidFill>
+              <a:effectLst/>
+              <a:uLnTx/>
+              <a:uFillTx/>
+              <a:latin typeface="+mn-lt"/>
+              <a:ea typeface="+mn-ea"/>
+              <a:cs typeface="+mn-cs"/>
+            </a:endParaRPr>
+          </a:p>
+        </p:txBody>
+      </p:sp>
+    </p:spTree>
+    <p:extLst>
+      <p:ext uri="{BB962C8B-B14F-4D97-AF65-F5344CB8AC3E}">
+        <p14:creationId xmlns:p14="http://schemas.microsoft.com/office/powerpoint/2010/main" xmlns="" val="1085507580"/>
+      </p:ext>
+    </p:extLst>
+  </p:cSld>
+  <p:clrMapOvr>
+    <a:masterClrMapping/>
+  </p:clrMapOvr>
+  <p:timing>
+    <p:tnLst>
+      <p:par>
+        <p:cTn id="1" dur="indefinite" restart="never" nodeType="tmRoot"/>
+      </p:par>
+    </p:tnLst>
+  </p:timing>
+</p:sld>
+</file>
+
+<file path=ppt/slides/slide3.xml><?xml version="1.0" encoding="utf-8"?>
 <p:sld xmlns:a="http://schemas.openxmlformats.org/drawingml/2006/main" xmlns:r="http://schemas.openxmlformats.org/officeDocument/2006/relationships" xmlns:p="http://schemas.openxmlformats.org/presentationml/2006/main">
   <p:cSld>
     <p:spTree>
@@ -6253,7 +6561,7 @@
               <a:blip r:embed="rId2">
                 <a:extLst>
                   <a:ext uri="{28A0092B-C50C-407E-A947-70E740481C1C}">
-                    <a14:useLocalDpi xmlns:a14="http://schemas.microsoft.com/office/drawing/2010/main" val="0"/>
+                    <a14:useLocalDpi xmlns:a14="http://schemas.microsoft.com/office/drawing/2010/main" xmlns="" val="0"/>
                   </a:ext>
                 </a:extLst>
               </a:blip>
@@ -6514,7 +6822,7 @@
                 <a:blip r:embed="rId3">
                   <a:extLst>
                     <a:ext uri="{28A0092B-C50C-407E-A947-70E740481C1C}">
-                      <a14:useLocalDpi xmlns:a14="http://schemas.microsoft.com/office/drawing/2010/main" val="0"/>
+                      <a14:useLocalDpi xmlns:a14="http://schemas.microsoft.com/office/drawing/2010/main" xmlns="" val="0"/>
                     </a:ext>
                   </a:extLst>
                 </a:blip>
@@ -6625,7 +6933,7 @@
                   <a:blip r:embed="rId4">
                     <a:extLst>
                       <a:ext uri="{28A0092B-C50C-407E-A947-70E740481C1C}">
-                        <a14:useLocalDpi xmlns:a14="http://schemas.microsoft.com/office/drawing/2010/main" val="0"/>
+                        <a14:useLocalDpi xmlns:a14="http://schemas.microsoft.com/office/drawing/2010/main" xmlns="" val="0"/>
                       </a:ext>
                     </a:extLst>
                   </a:blip>
@@ -6902,7 +7210,7 @@
     </p:spTree>
     <p:extLst>
       <p:ext uri="{BB962C8B-B14F-4D97-AF65-F5344CB8AC3E}">
-        <p14:creationId xmlns:p14="http://schemas.microsoft.com/office/powerpoint/2010/main" val="3286082403"/>
+        <p14:creationId xmlns:p14="http://schemas.microsoft.com/office/powerpoint/2010/main" xmlns="" val="3286082403"/>
       </p:ext>
     </p:extLst>
   </p:cSld>
@@ -6962,7 +7270,7 @@
     </a:clrScheme>
     <a:fontScheme name="Facet">
       <a:majorFont>
-        <a:latin typeface="Trebuchet MS" panose="020B0603020202020204"/>
+        <a:latin typeface="Trebuchet MS"/>
         <a:ea typeface=""/>
         <a:cs typeface=""/>
         <a:font script="Jpan" typeface="メイリオ"/>
@@ -6997,7 +7305,7 @@
         <a:font script="Geor" typeface="Sylfaen"/>
       </a:majorFont>
       <a:minorFont>
-        <a:latin typeface="Trebuchet MS" panose="020B0603020202020204"/>
+        <a:latin typeface="Trebuchet MS"/>
         <a:ea typeface=""/>
         <a:cs typeface=""/>
         <a:font script="Jpan" typeface="メイリオ"/>
@@ -7170,7 +7478,7 @@
   <a:extraClrSchemeLst/>
   <a:extLst>
     <a:ext uri="{05A4C25C-085E-4340-85A3-A5531E510DB2}">
-      <thm15:themeFamily xmlns:thm15="http://schemas.microsoft.com/office/thememl/2012/main" name="Facet" id="{C0C680CD-088A-49FC-A102-D699147F32B2}" vid="{0B5AB586-D108-4FC1-8368-649FE654B894}"/>
+      <thm15:themeFamily xmlns:thm15="http://schemas.microsoft.com/office/thememl/2012/main" xmlns="" name="Facet" id="{C0C680CD-088A-49FC-A102-D699147F32B2}" vid="{0B5AB586-D108-4FC1-8368-649FE654B894}"/>
     </a:ext>
   </a:extLst>
 </a:theme>
